--- a/UE19CS204 – WT – Project Report Template.pptx
+++ b/UE19CS204 – WT – Project Report Template.pptx
@@ -308,7 +308,7 @@
           <a:p>
             <a:fld id="{37B0890D-01E6-49DF-A341-A670F1E2DAD4}" type="datetimeFigureOut">
               <a:rPr lang="en-US" smtClean="0"/>
-              <a:t>12/6/2020</a:t>
+              <a:t>12/7/2020</a:t>
             </a:fld>
             <a:endParaRPr lang="en-GB"/>
           </a:p>
@@ -473,7 +473,7 @@
           <a:p>
             <a:fld id="{37B0890D-01E6-49DF-A341-A670F1E2DAD4}" type="datetimeFigureOut">
               <a:rPr lang="en-US" smtClean="0"/>
-              <a:t>12/6/2020</a:t>
+              <a:t>12/7/2020</a:t>
             </a:fld>
             <a:endParaRPr lang="en-GB"/>
           </a:p>
@@ -648,7 +648,7 @@
           <a:p>
             <a:fld id="{37B0890D-01E6-49DF-A341-A670F1E2DAD4}" type="datetimeFigureOut">
               <a:rPr lang="en-US" smtClean="0"/>
-              <a:t>12/6/2020</a:t>
+              <a:t>12/7/2020</a:t>
             </a:fld>
             <a:endParaRPr lang="en-GB"/>
           </a:p>
@@ -813,7 +813,7 @@
           <a:p>
             <a:fld id="{37B0890D-01E6-49DF-A341-A670F1E2DAD4}" type="datetimeFigureOut">
               <a:rPr lang="en-US" smtClean="0"/>
-              <a:t>12/6/2020</a:t>
+              <a:t>12/7/2020</a:t>
             </a:fld>
             <a:endParaRPr lang="en-GB"/>
           </a:p>
@@ -1054,7 +1054,7 @@
           <a:p>
             <a:fld id="{37B0890D-01E6-49DF-A341-A670F1E2DAD4}" type="datetimeFigureOut">
               <a:rPr lang="en-US" smtClean="0"/>
-              <a:t>12/6/2020</a:t>
+              <a:t>12/7/2020</a:t>
             </a:fld>
             <a:endParaRPr lang="en-GB"/>
           </a:p>
@@ -1337,7 +1337,7 @@
           <a:p>
             <a:fld id="{37B0890D-01E6-49DF-A341-A670F1E2DAD4}" type="datetimeFigureOut">
               <a:rPr lang="en-US" smtClean="0"/>
-              <a:t>12/6/2020</a:t>
+              <a:t>12/7/2020</a:t>
             </a:fld>
             <a:endParaRPr lang="en-GB"/>
           </a:p>
@@ -1754,7 +1754,7 @@
           <a:p>
             <a:fld id="{37B0890D-01E6-49DF-A341-A670F1E2DAD4}" type="datetimeFigureOut">
               <a:rPr lang="en-US" smtClean="0"/>
-              <a:t>12/6/2020</a:t>
+              <a:t>12/7/2020</a:t>
             </a:fld>
             <a:endParaRPr lang="en-GB"/>
           </a:p>
@@ -1867,7 +1867,7 @@
           <a:p>
             <a:fld id="{37B0890D-01E6-49DF-A341-A670F1E2DAD4}" type="datetimeFigureOut">
               <a:rPr lang="en-US" smtClean="0"/>
-              <a:t>12/6/2020</a:t>
+              <a:t>12/7/2020</a:t>
             </a:fld>
             <a:endParaRPr lang="en-GB"/>
           </a:p>
@@ -1957,7 +1957,7 @@
           <a:p>
             <a:fld id="{37B0890D-01E6-49DF-A341-A670F1E2DAD4}" type="datetimeFigureOut">
               <a:rPr lang="en-US" smtClean="0"/>
-              <a:t>12/6/2020</a:t>
+              <a:t>12/7/2020</a:t>
             </a:fld>
             <a:endParaRPr lang="en-GB"/>
           </a:p>
@@ -2229,7 +2229,7 @@
           <a:p>
             <a:fld id="{37B0890D-01E6-49DF-A341-A670F1E2DAD4}" type="datetimeFigureOut">
               <a:rPr lang="en-US" smtClean="0"/>
-              <a:t>12/6/2020</a:t>
+              <a:t>12/7/2020</a:t>
             </a:fld>
             <a:endParaRPr lang="en-GB"/>
           </a:p>
@@ -2477,7 +2477,7 @@
           <a:p>
             <a:fld id="{37B0890D-01E6-49DF-A341-A670F1E2DAD4}" type="datetimeFigureOut">
               <a:rPr lang="en-US" smtClean="0"/>
-              <a:t>12/6/2020</a:t>
+              <a:t>12/7/2020</a:t>
             </a:fld>
             <a:endParaRPr lang="en-GB"/>
           </a:p>
@@ -2685,7 +2685,7 @@
           <a:p>
             <a:fld id="{37B0890D-01E6-49DF-A341-A670F1E2DAD4}" type="datetimeFigureOut">
               <a:rPr lang="en-US" smtClean="0"/>
-              <a:t>12/6/2020</a:t>
+              <a:t>12/7/2020</a:t>
             </a:fld>
             <a:endParaRPr lang="en-GB"/>
           </a:p>
@@ -4346,8 +4346,13 @@
           <a:p>
             <a:r>
               <a:rPr lang="en-GB" dirty="0"/>
-              <a:t>Saket : front end- main page, menu</a:t>
-            </a:r>
+              <a:t>Saket : front end- </a:t>
+            </a:r>
+            <a:r>
+              <a:rPr lang="en-GB" sz="2800" dirty="0"/>
+              <a:t>home, menu, order , feedback</a:t>
+            </a:r>
+            <a:endParaRPr lang="en-GB" dirty="0"/>
           </a:p>
           <a:p>
             <a:r>
@@ -4356,8 +4361,13 @@
             </a:r>
             <a:r>
               <a:rPr lang="en-GB" dirty="0"/>
-              <a:t> : front end – order , feedback</a:t>
-            </a:r>
+              <a:t> : front end </a:t>
+            </a:r>
+            <a:r>
+              <a:rPr lang="en-GB"/>
+              <a:t>– Sign in, Sign Up</a:t>
+            </a:r>
+            <a:endParaRPr lang="en-GB" dirty="0"/>
           </a:p>
         </p:txBody>
       </p:sp>
